--- a/MT2 - Projekt/P2.pptx
+++ b/MT2 - Projekt/P2.pptx
@@ -168,8 +168,15 @@
         </p15:guide>
       </p15:sldGuideLst>
     </p:ext>
+    <p:ext uri="{2D200454-40CA-4A62-9FC3-DE9A4176ACB9}">
+      <p15:notesGuideLst xmlns:p15="http://schemas.microsoft.com/office/powerpoint/2012/main"/>
+    </p:ext>
   </p:extLst>
 </p:presentation>
+</file>
+
+<file path=ppt/revisionInfo.xml><?xml version="1.0" encoding="utf-8"?>
+<p1510:revInfo xmlns:a="http://schemas.openxmlformats.org/drawingml/2006/main" xmlns:r="http://schemas.openxmlformats.org/officeDocument/2006/relationships" xmlns:p1510="http://schemas.microsoft.com/office/powerpoint/2015/10/main"/>
 </file>
 
 <file path=ppt/handoutMasters/handoutMaster1.xml><?xml version="1.0" encoding="utf-8"?>
@@ -284,7 +291,7 @@
               <a:pPr>
                 <a:defRPr/>
               </a:pPr>
-              <a:t>09.12.2017</a:t>
+              <a:t>10.12.2017</a:t>
             </a:fld>
             <a:endParaRPr lang="pl-PL" dirty="0"/>
           </a:p>
@@ -497,7 +504,7 @@
               <a:pPr>
                 <a:defRPr/>
               </a:pPr>
-              <a:t>09.12.2017</a:t>
+              <a:t>10.12.2017</a:t>
             </a:fld>
             <a:endParaRPr lang="pl-PL" dirty="0"/>
           </a:p>
@@ -8347,8 +8354,8 @@
           </a:p>
         </p:txBody>
       </p:sp>
-      <mc:AlternateContent xmlns:mc="http://schemas.openxmlformats.org/markup-compatibility/2006">
-        <mc:Choice xmlns:a14="http://schemas.microsoft.com/office/drawing/2010/main" Requires="a14">
+      <mc:AlternateContent xmlns:mc="http://schemas.openxmlformats.org/markup-compatibility/2006" xmlns:a14="http://schemas.microsoft.com/office/drawing/2010/main">
+        <mc:Choice Requires="a14">
           <p:sp>
             <p:nvSpPr>
               <p:cNvPr id="4" name="Symbol zastępczy zawartości 3">
@@ -8722,7 +8729,7 @@
             </p:txBody>
           </p:sp>
         </mc:Choice>
-        <mc:Fallback>
+        <mc:Fallback xmlns="">
           <p:sp>
             <p:nvSpPr>
               <p:cNvPr id="4" name="Symbol zastępczy zawartości 3">
@@ -9256,7 +9263,7 @@
                 <p:ph sz="half" idx="1"/>
                 <p:extLst>
                   <p:ext uri="{D42A27DB-BD31-4B8C-83A1-F6EECF244321}">
-                    <p14:modId xmlns:p14="http://schemas.microsoft.com/office/powerpoint/2010/main" val="3683323340"/>
+                    <p14:modId xmlns:p14="http://schemas.microsoft.com/office/powerpoint/2010/main" val="3459898622"/>
                   </p:ext>
                 </p:extLst>
               </p:nvPr>
@@ -9322,7 +9329,7 @@
                               <a:latin typeface="Calibri" panose="020F0502020204030204" pitchFamily="34" charset="0"/>
                               <a:cs typeface="Calibri" panose="020F0502020204030204" pitchFamily="34" charset="0"/>
                             </a:rPr>
-                            <a:t>20⁰25’41’’E, 49⁰43’8’’ (Limanowa)</a:t>
+                            <a:t>20⁰25’41’’E, 49⁰43’8’’N (Limanowa)</a:t>
                           </a:r>
                         </a:p>
                       </a:txBody>
@@ -9409,15 +9416,22 @@
                         <a:p>
                           <a:pPr algn="ctr"/>
                           <a:r>
-                            <a:rPr lang="pl-PL" dirty="0">
+                            <a:rPr lang="pl-PL">
                               <a:solidFill>
                                 <a:schemeClr val="tx1"/>
                               </a:solidFill>
                               <a:latin typeface="Calibri" panose="020F0502020204030204" pitchFamily="34" charset="0"/>
                               <a:cs typeface="Calibri" panose="020F0502020204030204" pitchFamily="34" charset="0"/>
                             </a:rPr>
-                            <a:t>40 W</a:t>
+                            <a:t>0.04 kW</a:t>
                           </a:r>
+                          <a:endParaRPr lang="pl-PL" dirty="0">
+                            <a:solidFill>
+                              <a:schemeClr val="tx1"/>
+                            </a:solidFill>
+                            <a:latin typeface="Calibri" panose="020F0502020204030204" pitchFamily="34" charset="0"/>
+                            <a:cs typeface="Calibri" panose="020F0502020204030204" pitchFamily="34" charset="0"/>
+                          </a:endParaRPr>
                         </a:p>
                       </a:txBody>
                       <a:tcPr/>
@@ -9735,7 +9749,7 @@
                 <p:ph sz="half" idx="1"/>
                 <p:extLst>
                   <p:ext uri="{D42A27DB-BD31-4B8C-83A1-F6EECF244321}">
-                    <p14:modId xmlns:p14="http://schemas.microsoft.com/office/powerpoint/2010/main" val="3683323340"/>
+                    <p14:modId xmlns:p14="http://schemas.microsoft.com/office/powerpoint/2010/main" val="3459898622"/>
                   </p:ext>
                 </p:extLst>
               </p:nvPr>
@@ -9801,7 +9815,7 @@
                               <a:latin typeface="Calibri" panose="020F0502020204030204" pitchFamily="34" charset="0"/>
                               <a:cs typeface="Calibri" panose="020F0502020204030204" pitchFamily="34" charset="0"/>
                             </a:rPr>
-                            <a:t>20⁰25’41’’E, 49⁰43’8’’ (Limanowa)</a:t>
+                            <a:t>20⁰25’41’’E, 49⁰43’8’’N (Limanowa)</a:t>
                           </a:r>
                         </a:p>
                       </a:txBody>
@@ -9888,15 +9902,22 @@
                         <a:p>
                           <a:pPr algn="ctr"/>
                           <a:r>
-                            <a:rPr lang="pl-PL" dirty="0">
+                            <a:rPr lang="pl-PL">
                               <a:solidFill>
                                 <a:schemeClr val="tx1"/>
                               </a:solidFill>
                               <a:latin typeface="Calibri" panose="020F0502020204030204" pitchFamily="34" charset="0"/>
                               <a:cs typeface="Calibri" panose="020F0502020204030204" pitchFamily="34" charset="0"/>
                             </a:rPr>
-                            <a:t>40 W</a:t>
+                            <a:t>0.04 kW</a:t>
                           </a:r>
+                          <a:endParaRPr lang="pl-PL" dirty="0">
+                            <a:solidFill>
+                              <a:schemeClr val="tx1"/>
+                            </a:solidFill>
+                            <a:latin typeface="Calibri" panose="020F0502020204030204" pitchFamily="34" charset="0"/>
+                            <a:cs typeface="Calibri" panose="020F0502020204030204" pitchFamily="34" charset="0"/>
+                          </a:endParaRPr>
                         </a:p>
                       </a:txBody>
                       <a:tcPr/>
@@ -10788,7 +10809,7 @@
             <p:ph sz="half" idx="1"/>
             <p:extLst>
               <p:ext uri="{D42A27DB-BD31-4B8C-83A1-F6EECF244321}">
-                <p14:modId xmlns:p14="http://schemas.microsoft.com/office/powerpoint/2010/main" val="1391030524"/>
+                <p14:modId xmlns:p14="http://schemas.microsoft.com/office/powerpoint/2010/main" val="1290541878"/>
               </p:ext>
             </p:extLst>
           </p:nvPr>
@@ -10853,7 +10874,7 @@
                           <a:latin typeface="Calibri" panose="020F0502020204030204" pitchFamily="34" charset="0"/>
                           <a:cs typeface="Calibri" panose="020F0502020204030204" pitchFamily="34" charset="0"/>
                         </a:rPr>
-                        <a:t>20⁰25’41’’E, 49⁰43’8’’ (Limanowa)</a:t>
+                        <a:t>20⁰25’41’’E, 49⁰43’8’’N (Limanowa)</a:t>
                       </a:r>
                     </a:p>
                   </a:txBody>

--- a/MT2 - Projekt/P2.pptx
+++ b/MT2 - Projekt/P2.pptx
@@ -2400,12 +2400,15 @@
               </a:rPr>
               <a:t>‹#›</a:t>
             </a:fld>
-            <a:endParaRPr lang="pl-PL" altLang="pl-PL" sz="1000" dirty="0">
-              <a:solidFill>
-                <a:schemeClr val="bg1"/>
-              </a:solidFill>
-              <a:latin typeface="Calibri" panose="020F0502020204030204" pitchFamily="34" charset="0"/>
-            </a:endParaRPr>
+            <a:r>
+              <a:rPr lang="pl-PL" altLang="pl-PL" sz="1000" dirty="0">
+                <a:solidFill>
+                  <a:schemeClr val="bg1"/>
+                </a:solidFill>
+                <a:latin typeface="Calibri" panose="020F0502020204030204" pitchFamily="34" charset="0"/>
+              </a:rPr>
+              <a:t>/14</a:t>
+            </a:r>
           </a:p>
         </p:txBody>
       </p:sp>
@@ -3493,7 +3496,7 @@
           <a:p>
             <a:pPr algn="ctr" eaLnBrk="1" hangingPunct="1"/>
             <a:fld id="{B7ADD4CF-06F4-44B9-9AF4-3E7FD6F9AA48}" type="slidenum">
-              <a:rPr lang="pl-PL" altLang="pl-PL" sz="1000">
+              <a:rPr lang="pl-PL" altLang="pl-PL" sz="1000" smtClean="0">
                 <a:solidFill>
                   <a:schemeClr val="bg1"/>
                 </a:solidFill>
@@ -3502,12 +3505,15 @@
               <a:pPr algn="ctr" eaLnBrk="1" hangingPunct="1"/>
               <a:t>‹#›</a:t>
             </a:fld>
-            <a:endParaRPr lang="pl-PL" altLang="pl-PL" sz="1000" dirty="0">
-              <a:solidFill>
-                <a:schemeClr val="bg1"/>
-              </a:solidFill>
-              <a:latin typeface="Calibri" panose="020F0502020204030204" pitchFamily="34" charset="0"/>
-            </a:endParaRPr>
+            <a:r>
+              <a:rPr lang="pl-PL" altLang="pl-PL" sz="1000" dirty="0">
+                <a:solidFill>
+                  <a:schemeClr val="bg1"/>
+                </a:solidFill>
+                <a:latin typeface="Calibri" panose="020F0502020204030204" pitchFamily="34" charset="0"/>
+              </a:rPr>
+              <a:t>/14</a:t>
+            </a:r>
           </a:p>
         </p:txBody>
       </p:sp>
@@ -9245,8 +9251,8 @@
           <a:chExt cx="0" cy="0"/>
         </a:xfrm>
       </p:grpSpPr>
-      <mc:AlternateContent xmlns:mc="http://schemas.openxmlformats.org/markup-compatibility/2006">
-        <mc:Choice xmlns:a14="http://schemas.microsoft.com/office/drawing/2010/main" Requires="a14">
+      <mc:AlternateContent xmlns:mc="http://schemas.openxmlformats.org/markup-compatibility/2006" xmlns:a14="http://schemas.microsoft.com/office/drawing/2010/main">
+        <mc:Choice Requires="a14">
           <p:graphicFrame>
             <p:nvGraphicFramePr>
               <p:cNvPr id="2" name="Symbol zastępczy zawartości 1">
@@ -9732,7 +9738,7 @@
             </a:graphic>
           </p:graphicFrame>
         </mc:Choice>
-        <mc:Fallback>
+        <mc:Fallback xmlns="">
           <p:graphicFrame>
             <p:nvGraphicFramePr>
               <p:cNvPr id="2" name="Symbol zastępczy zawartości 1">
